--- a/ScalingYourDataToTheCosmos.pptx
+++ b/ScalingYourDataToTheCosmos.pptx
@@ -5,10 +5,10 @@
     <p:sldMasterId id="2147484070" r:id="rId1"/>
   </p:sldMasterIdLst>
   <p:notesMasterIdLst>
-    <p:notesMasterId r:id="rId23"/>
+    <p:notesMasterId r:id="rId22"/>
   </p:notesMasterIdLst>
   <p:handoutMasterIdLst>
-    <p:handoutMasterId r:id="rId24"/>
+    <p:handoutMasterId r:id="rId23"/>
   </p:handoutMasterIdLst>
   <p:sldIdLst>
     <p:sldId id="256" r:id="rId2"/>
@@ -30,8 +30,7 @@
     <p:sldId id="274" r:id="rId18"/>
     <p:sldId id="278" r:id="rId19"/>
     <p:sldId id="277" r:id="rId20"/>
-    <p:sldId id="1483" r:id="rId21"/>
-    <p:sldId id="273" r:id="rId22"/>
+    <p:sldId id="273" r:id="rId21"/>
   </p:sldIdLst>
   <p:sldSz cx="12192000" cy="6858000"/>
   <p:notesSz cx="6858000" cy="9144000"/>
@@ -133,6 +132,9 @@
   <p:extLst>
     <p:ext uri="{EFAFB233-063F-42B5-8137-9DF3F51BA10A}">
       <p15:sldGuideLst xmlns:p15="http://schemas.microsoft.com/office/powerpoint/2012/main"/>
+    </p:ext>
+    <p:ext uri="{2D200454-40CA-4A62-9FC3-DE9A4176ACB9}">
+      <p15:notesGuideLst xmlns:p15="http://schemas.microsoft.com/office/powerpoint/2012/main"/>
     </p:ext>
   </p:extLst>
 </p:presentation>
@@ -3232,7 +3234,7 @@
           <a:p>
             <a:fld id="{A8436D4C-C798-834F-90AA-143E39A3B782}" type="datetimeFigureOut">
               <a:rPr lang="en-DE" smtClean="0"/>
-              <a:t>12.04.21</a:t>
+              <a:t>15.04.21</a:t>
             </a:fld>
             <a:endParaRPr lang="en-DE"/>
           </a:p>
@@ -3410,7 +3412,7 @@
           <a:p>
             <a:fld id="{39EA3DB6-A7B6-6146-8CCF-ACA95E1805BF}" type="datetimeFigureOut">
               <a:rPr lang="en-DE" smtClean="0"/>
-              <a:t>12.04.21</a:t>
+              <a:t>15.04.21</a:t>
             </a:fld>
             <a:endParaRPr lang="en-DE"/>
           </a:p>
@@ -4075,61 +4077,6 @@
           <a:lstStyle/>
           <a:p>
             <a:r>
-              <a:rPr lang="en-US" dirty="0"/>
-              <a:t>Pull model;</a:t>
-            </a:r>
-          </a:p>
-          <a:p>
-            <a:r>
-              <a:rPr lang="en-DE" dirty="0"/>
-              <a:t>Change feed processor CFP library, stateful and scalable;</a:t>
-            </a:r>
-          </a:p>
-          <a:p>
-            <a:r>
-              <a:rPr lang="en-DE" dirty="0"/>
-              <a:t>Azure functions: Serverless wrapper around the CFP library;</a:t>
-            </a:r>
-          </a:p>
-          <a:p>
-            <a:endParaRPr lang="en-DE" dirty="0"/>
-          </a:p>
-          <a:p>
-            <a:pPr marL="0" marR="0" lvl="0" indent="0" algn="l" defTabSz="914400" rtl="0" eaLnBrk="1" fontAlgn="auto" latinLnBrk="0" hangingPunct="1">
-              <a:lnSpc>
-                <a:spcPct val="100000"/>
-              </a:lnSpc>
-              <a:spcBef>
-                <a:spcPts val="0"/>
-              </a:spcBef>
-              <a:spcAft>
-                <a:spcPts val="0"/>
-              </a:spcAft>
-              <a:buClrTx/>
-              <a:buSzTx/>
-              <a:buFontTx/>
-              <a:buNone/>
-              <a:tabLst/>
-              <a:defRPr/>
-            </a:pPr>
-            <a:r>
-              <a:rPr lang="en-DE" dirty="0"/>
-              <a:t>Rerun your change feed to see if system will behave in the same way.  </a:t>
-            </a:r>
-          </a:p>
-          <a:p>
-            <a:endParaRPr lang="en-GB" sz="1200" b="0" i="0" kern="1200" dirty="0">
-              <a:solidFill>
-                <a:schemeClr val="tx1"/>
-              </a:solidFill>
-              <a:effectLst/>
-              <a:latin typeface="+mn-lt"/>
-              <a:ea typeface="+mn-ea"/>
-              <a:cs typeface="+mn-cs"/>
-            </a:endParaRPr>
-          </a:p>
-          <a:p>
-            <a:r>
               <a:rPr lang="en-GB" sz="1200" b="0" i="0" kern="1200" dirty="0">
                 <a:solidFill>
                   <a:schemeClr val="tx1"/>
@@ -4194,92 +4141,6 @@
               <a:t>Zero downtime migration;</a:t>
             </a:r>
             <a:endParaRPr lang="en-DE" dirty="0"/>
-          </a:p>
-          <a:p>
-            <a:pPr marL="0" marR="0" lvl="0" indent="0" algn="l" defTabSz="914400" rtl="0" eaLnBrk="1" fontAlgn="auto" latinLnBrk="0" hangingPunct="1">
-              <a:lnSpc>
-                <a:spcPct val="100000"/>
-              </a:lnSpc>
-              <a:spcBef>
-                <a:spcPts val="0"/>
-              </a:spcBef>
-              <a:spcAft>
-                <a:spcPts val="0"/>
-              </a:spcAft>
-              <a:buClrTx/>
-              <a:buSzTx/>
-              <a:buFontTx/>
-              <a:buNone/>
-              <a:tabLst/>
-              <a:defRPr/>
-            </a:pPr>
-            <a:endParaRPr lang="en-DE" dirty="0"/>
-          </a:p>
-          <a:p>
-            <a:pPr marL="0" marR="0" lvl="0" indent="0" algn="l" defTabSz="914400" rtl="0" eaLnBrk="1" fontAlgn="auto" latinLnBrk="0" hangingPunct="1">
-              <a:lnSpc>
-                <a:spcPct val="100000"/>
-              </a:lnSpc>
-              <a:spcBef>
-                <a:spcPts val="0"/>
-              </a:spcBef>
-              <a:spcAft>
-                <a:spcPts val="0"/>
-              </a:spcAft>
-              <a:buClrTx/>
-              <a:buSzTx/>
-              <a:buFontTx/>
-              <a:buNone/>
-              <a:tabLst/>
-              <a:defRPr/>
-            </a:pPr>
-            <a:r>
-              <a:rPr lang="en-GB" dirty="0"/>
-              <a:t>D</a:t>
-            </a:r>
-            <a:r>
-              <a:rPr lang="en-DE" dirty="0"/>
-              <a:t>o </a:t>
-            </a:r>
-            <a:r>
-              <a:rPr lang="en-GB" dirty="0"/>
-              <a:t>I</a:t>
-            </a:r>
-            <a:r>
-              <a:rPr lang="en-DE" dirty="0"/>
-              <a:t> have to do those updates every time? Can </a:t>
-            </a:r>
-            <a:r>
-              <a:rPr lang="en-GB" dirty="0"/>
-              <a:t>I</a:t>
-            </a:r>
-            <a:r>
-              <a:rPr lang="en-DE" dirty="0"/>
-              <a:t> just make aggregation when I need it?</a:t>
-            </a:r>
-          </a:p>
-          <a:p>
-            <a:pPr marL="0" marR="0" lvl="0" indent="0" algn="l" defTabSz="914400" rtl="0" eaLnBrk="1" fontAlgn="auto" latinLnBrk="0" hangingPunct="1">
-              <a:lnSpc>
-                <a:spcPct val="100000"/>
-              </a:lnSpc>
-              <a:spcBef>
-                <a:spcPts val="0"/>
-              </a:spcBef>
-              <a:spcAft>
-                <a:spcPts val="0"/>
-              </a:spcAft>
-              <a:buClrTx/>
-              <a:buSzTx/>
-              <a:buFontTx/>
-              <a:buNone/>
-              <a:tabLst/>
-              <a:defRPr/>
-            </a:pPr>
-            <a:r>
-              <a:rPr lang="en-DE" dirty="0"/>
-              <a:t> </a:t>
-            </a:r>
           </a:p>
           <a:p>
             <a:endParaRPr lang="en-DE" dirty="0"/>
@@ -4828,10 +4689,7 @@
           <a:bodyPr/>
           <a:lstStyle/>
           <a:p>
-            <a:r>
-              <a:rPr lang="en-DE" dirty="0"/>
-              <a:t>Refilling</a:t>
-            </a:r>
+            <a:endParaRPr lang="en-DE" dirty="0"/>
           </a:p>
         </p:txBody>
       </p:sp>
@@ -4892,39 +4750,7 @@
           <a:bodyPr/>
           <a:lstStyle/>
           <a:p>
-            <a:endParaRPr lang="en-DE"/>
-          </a:p>
-          <a:p>
-            <a:r>
-              <a:rPr lang="en-DE"/>
-              <a:t>What I did I just assumed that I can easily swap databases. I mean that should work…right? Everything really worked out quite well, up to the moment when I </a:t>
-            </a:r>
-            <a:r>
-              <a:rPr lang="en-GB"/>
-              <a:t>remembered</a:t>
-            </a:r>
-            <a:r>
-              <a:rPr lang="en-DE"/>
-              <a:t>  that my queries shouldn’t consume more than 10 R</a:t>
-            </a:r>
-            <a:r>
-              <a:rPr lang="en-GB"/>
-              <a:t>U</a:t>
-            </a:r>
-            <a:r>
-              <a:rPr lang="en-DE"/>
-              <a:t>s. And the numbers I was getting were a little bit different.</a:t>
-            </a:r>
-            <a:br>
-              <a:rPr lang="en-DE"/>
-            </a:br>
-            <a:br>
-              <a:rPr lang="en-DE"/>
-            </a:br>
-            <a:r>
-              <a:rPr lang="en-DE"/>
-              <a:t>Turned out that queries were too complicated, with a lot of filtering and aggregations, so or course they were too heavy. </a:t>
-            </a:r>
+            <a:endParaRPr lang="en-DE" dirty="0"/>
           </a:p>
         </p:txBody>
       </p:sp>
@@ -5272,300 +5098,7 @@
           <a:bodyPr/>
           <a:lstStyle/>
           <a:p>
-            <a:endParaRPr lang="en-US" dirty="0"/>
-          </a:p>
-        </p:txBody>
-      </p:sp>
-      <p:sp>
-        <p:nvSpPr>
-          <p:cNvPr id="4" name="Slide Number Placeholder 3"/>
-          <p:cNvSpPr>
-            <a:spLocks noGrp="1"/>
-          </p:cNvSpPr>
-          <p:nvPr>
-            <p:ph type="sldNum" sz="quarter" idx="10"/>
-          </p:nvPr>
-        </p:nvSpPr>
-        <p:spPr/>
-        <p:txBody>
-          <a:bodyPr/>
-          <a:lstStyle/>
-          <a:p>
-            <a:fld id="{DF61EA0F-A667-4B49-8422-0062BC55E249}" type="slidenum">
-              <a:rPr lang="en-US" smtClean="0"/>
-              <a:t>20</a:t>
-            </a:fld>
-            <a:endParaRPr lang="en-US"/>
-          </a:p>
-        </p:txBody>
-      </p:sp>
-    </p:spTree>
-    <p:extLst>
-      <p:ext uri="{BB962C8B-B14F-4D97-AF65-F5344CB8AC3E}">
-        <p14:creationId xmlns:p14="http://schemas.microsoft.com/office/powerpoint/2010/main" val="1453521067"/>
-      </p:ext>
-    </p:extLst>
-  </p:cSld>
-  <p:clrMapOvr>
-    <a:masterClrMapping/>
-  </p:clrMapOvr>
-</p:notes>
-</file>
-
-<file path=ppt/notesSlides/notesSlide21.xml><?xml version="1.0" encoding="utf-8"?>
-<p:notes xmlns:a="http://schemas.openxmlformats.org/drawingml/2006/main" xmlns:r="http://schemas.openxmlformats.org/officeDocument/2006/relationships" xmlns:p="http://schemas.openxmlformats.org/presentationml/2006/main">
-  <p:cSld>
-    <p:spTree>
-      <p:nvGrpSpPr>
-        <p:cNvPr id="1" name=""/>
-        <p:cNvGrpSpPr/>
-        <p:nvPr/>
-      </p:nvGrpSpPr>
-      <p:grpSpPr>
-        <a:xfrm>
-          <a:off x="0" y="0"/>
-          <a:ext cx="0" cy="0"/>
-          <a:chOff x="0" y="0"/>
-          <a:chExt cx="0" cy="0"/>
-        </a:xfrm>
-      </p:grpSpPr>
-      <p:sp>
-        <p:nvSpPr>
-          <p:cNvPr id="2" name="Slide Image Placeholder 1"/>
-          <p:cNvSpPr>
-            <a:spLocks noGrp="1" noRot="1" noChangeAspect="1"/>
-          </p:cNvSpPr>
-          <p:nvPr>
-            <p:ph type="sldImg"/>
-          </p:nvPr>
-        </p:nvSpPr>
-        <p:spPr/>
-      </p:sp>
-      <p:sp>
-        <p:nvSpPr>
-          <p:cNvPr id="3" name="Notes Placeholder 2"/>
-          <p:cNvSpPr>
-            <a:spLocks noGrp="1"/>
-          </p:cNvSpPr>
-          <p:nvPr>
-            <p:ph type="body" idx="1"/>
-          </p:nvPr>
-        </p:nvSpPr>
-        <p:spPr/>
-        <p:txBody>
-          <a:bodyPr/>
-          <a:lstStyle/>
-          <a:p>
-            <a:pPr marL="0" marR="0" lvl="0" indent="0" algn="l" defTabSz="914400" rtl="0" eaLnBrk="1" fontAlgn="auto" latinLnBrk="0" hangingPunct="1">
-              <a:lnSpc>
-                <a:spcPct val="100000"/>
-              </a:lnSpc>
-              <a:spcBef>
-                <a:spcPts val="0"/>
-              </a:spcBef>
-              <a:spcAft>
-                <a:spcPts val="0"/>
-              </a:spcAft>
-              <a:buClrTx/>
-              <a:buSzTx/>
-              <a:buFontTx/>
-              <a:buNone/>
-              <a:tabLst/>
-              <a:defRPr/>
-            </a:pPr>
-            <a:r>
-              <a:rPr lang="en-DE"/>
-              <a:t>Welcome everyone. My name is Olena Borzenko. You can find me on twitter </a:t>
-            </a:r>
-            <a:r>
-              <a:rPr lang="en-GB" sz="1200">
-                <a:solidFill>
-                  <a:srgbClr val="FFFFFF"/>
-                </a:solidFill>
-                <a:effectLst/>
-                <a:latin typeface="Courier New" panose="02070309020205020404" pitchFamily="49" charset="0"/>
-              </a:rPr>
-              <a:t>@</a:t>
-            </a:r>
-            <a:r>
-              <a:rPr lang="en-GB" sz="1200" err="1">
-                <a:solidFill>
-                  <a:srgbClr val="FFFFFF"/>
-                </a:solidFill>
-                <a:effectLst/>
-                <a:latin typeface="Courier New" panose="02070309020205020404" pitchFamily="49" charset="0"/>
-              </a:rPr>
-              <a:t>borzenko_lena</a:t>
-            </a:r>
-            <a:r>
-              <a:rPr lang="en-GB" sz="1200">
-                <a:solidFill>
-                  <a:srgbClr val="FFFFFF"/>
-                </a:solidFill>
-                <a:effectLst/>
-                <a:latin typeface="Courier New" panose="02070309020205020404" pitchFamily="49" charset="0"/>
-              </a:rPr>
-              <a:t>. If you have any questions or comments, just write me a  message I’ll be happy to chat.</a:t>
-            </a:r>
-          </a:p>
-          <a:p>
-            <a:pPr marL="0" marR="0" lvl="0" indent="0" algn="l" defTabSz="914400" rtl="0" eaLnBrk="1" fontAlgn="auto" latinLnBrk="0" hangingPunct="1">
-              <a:lnSpc>
-                <a:spcPct val="100000"/>
-              </a:lnSpc>
-              <a:spcBef>
-                <a:spcPts val="0"/>
-              </a:spcBef>
-              <a:spcAft>
-                <a:spcPts val="0"/>
-              </a:spcAft>
-              <a:buClrTx/>
-              <a:buSzTx/>
-              <a:buFontTx/>
-              <a:buNone/>
-              <a:tabLst/>
-              <a:defRPr/>
-            </a:pPr>
-            <a:endParaRPr lang="en-GB" sz="1200">
-              <a:solidFill>
-                <a:srgbClr val="FFFFFF"/>
-              </a:solidFill>
-              <a:effectLst/>
-              <a:latin typeface="Courier New" panose="02070309020205020404" pitchFamily="49" charset="0"/>
-            </a:endParaRPr>
-          </a:p>
-          <a:p>
-            <a:pPr marL="0" marR="0" lvl="0" indent="0" algn="l" defTabSz="914400" rtl="0" eaLnBrk="1" fontAlgn="auto" latinLnBrk="0" hangingPunct="1">
-              <a:lnSpc>
-                <a:spcPct val="100000"/>
-              </a:lnSpc>
-              <a:spcBef>
-                <a:spcPts val="0"/>
-              </a:spcBef>
-              <a:spcAft>
-                <a:spcPts val="0"/>
-              </a:spcAft>
-              <a:buClrTx/>
-              <a:buSzTx/>
-              <a:buFontTx/>
-              <a:buNone/>
-              <a:tabLst/>
-              <a:defRPr/>
-            </a:pPr>
-            <a:r>
-              <a:rPr lang="en-GB" sz="1200">
-                <a:solidFill>
-                  <a:srgbClr val="FFFFFF"/>
-                </a:solidFill>
-                <a:effectLst/>
-                <a:latin typeface="Courier New" panose="02070309020205020404" pitchFamily="49" charset="0"/>
-              </a:rPr>
-              <a:t>Just a few words about me. I’m a senior backend engineer in a company called </a:t>
-            </a:r>
-            <a:r>
-              <a:rPr lang="en-GB" sz="1200" err="1">
-                <a:solidFill>
-                  <a:srgbClr val="FFFFFF"/>
-                </a:solidFill>
-                <a:effectLst/>
-                <a:latin typeface="Courier New" panose="02070309020205020404" pitchFamily="49" charset="0"/>
-              </a:rPr>
-              <a:t>Durstexpress</a:t>
-            </a:r>
-            <a:r>
-              <a:rPr lang="en-GB" sz="1200">
-                <a:solidFill>
-                  <a:srgbClr val="FFFFFF"/>
-                </a:solidFill>
-                <a:effectLst/>
-                <a:latin typeface="Courier New" panose="02070309020205020404" pitchFamily="49" charset="0"/>
-              </a:rPr>
-              <a:t>. It’s beverages delivery all over Germany. And I started at this company as a part of logistics team, where we were taking care of the order part and now I’m working with a warehouse system.</a:t>
-            </a:r>
-            <a:br>
-              <a:rPr lang="en-GB" sz="1200">
-                <a:solidFill>
-                  <a:srgbClr val="FFFFFF"/>
-                </a:solidFill>
-                <a:effectLst/>
-                <a:latin typeface="Courier New" panose="02070309020205020404" pitchFamily="49" charset="0"/>
-              </a:rPr>
-            </a:br>
-            <a:r>
-              <a:rPr lang="en-GB" sz="1200">
-                <a:solidFill>
-                  <a:srgbClr val="FFFFFF"/>
-                </a:solidFill>
-                <a:effectLst/>
-                <a:latin typeface="Courier New" panose="02070309020205020404" pitchFamily="49" charset="0"/>
-              </a:rPr>
-              <a:t>I live in Berlin and you might have thought that I'm German as well, I know it's shocking but I'm not, I’m originally from Ukraine. </a:t>
-            </a:r>
-          </a:p>
-          <a:p>
-            <a:pPr marL="0" marR="0" lvl="0" indent="0" algn="l" defTabSz="914400" rtl="0" eaLnBrk="1" fontAlgn="auto" latinLnBrk="0" hangingPunct="1">
-              <a:lnSpc>
-                <a:spcPct val="100000"/>
-              </a:lnSpc>
-              <a:spcBef>
-                <a:spcPts val="0"/>
-              </a:spcBef>
-              <a:spcAft>
-                <a:spcPts val="0"/>
-              </a:spcAft>
-              <a:buClrTx/>
-              <a:buSzTx/>
-              <a:buFontTx/>
-              <a:buNone/>
-              <a:tabLst/>
-              <a:defRPr/>
-            </a:pPr>
-            <a:br>
-              <a:rPr lang="en-GB" sz="1200">
-                <a:solidFill>
-                  <a:srgbClr val="FFFFFF"/>
-                </a:solidFill>
-                <a:effectLst/>
-                <a:latin typeface="Courier New" panose="02070309020205020404" pitchFamily="49" charset="0"/>
-              </a:rPr>
-            </a:br>
-            <a:r>
-              <a:rPr lang="en-GB" sz="1200">
-                <a:solidFill>
-                  <a:srgbClr val="FFFFFF"/>
-                </a:solidFill>
-                <a:effectLst/>
-                <a:latin typeface="Courier New" panose="02070309020205020404" pitchFamily="49" charset="0"/>
-              </a:rPr>
-              <a:t>So this talk is a summary of the lessons I’ve learned after the latest event which happened in my company. </a:t>
-            </a:r>
-            <a:br>
-              <a:rPr lang="en-GB" sz="1200">
-                <a:solidFill>
-                  <a:srgbClr val="FFFFFF"/>
-                </a:solidFill>
-                <a:effectLst/>
-                <a:latin typeface="Courier New" panose="02070309020205020404" pitchFamily="49" charset="0"/>
-              </a:rPr>
-            </a:br>
-            <a:endParaRPr lang="en-DE"/>
-          </a:p>
-          <a:p>
-            <a:r>
-              <a:rPr lang="en-DE"/>
-              <a:t>I’ll start from a story behind all this. There were two companies on the same market and doing the same business and they were doing great. But one day </a:t>
-            </a:r>
-            <a:r>
-              <a:rPr lang="en-GB"/>
-              <a:t>decisions</a:t>
-            </a:r>
-            <a:r>
-              <a:rPr lang="en-DE"/>
-              <a:t> were taken and mistakes were made.</a:t>
-            </a:r>
-          </a:p>
-          <a:p>
-            <a:endParaRPr lang="en-DE"/>
+            <a:endParaRPr lang="en-DE" dirty="0"/>
           </a:p>
         </p:txBody>
       </p:sp>
@@ -5718,20 +5251,20 @@
           <a:lstStyle/>
           <a:p>
             <a:br>
-              <a:rPr lang="en-DE"/>
+              <a:rPr lang="en-DE" dirty="0"/>
             </a:br>
             <a:r>
-              <a:rPr lang="en-DE"/>
+              <a:rPr lang="en-DE" dirty="0"/>
               <a:t>A chance to rebuild a crusial part of the running system is not smth what is hapening every day, so of course they didn’t want to have a replica on a bigger scale, they wanted something better.</a:t>
             </a:r>
             <a:br>
-              <a:rPr lang="en-DE"/>
+              <a:rPr lang="en-DE" dirty="0"/>
             </a:br>
             <a:br>
-              <a:rPr lang="en-DE"/>
+              <a:rPr lang="en-DE" dirty="0"/>
             </a:br>
             <a:r>
-              <a:rPr lang="en-DE"/>
+              <a:rPr lang="en-DE" dirty="0"/>
               <a:t>When that kind of things happening and you need to build something new which will replace smth old and big and a little bit legacy, it’s usually not a case that someone will just handle you a bunch of requirements with all the neces</a:t>
             </a:r>
             <a:r>
@@ -5739,16 +5272,16 @@
               <a:t>s</a:t>
             </a:r>
             <a:r>
-              <a:rPr lang="en-DE"/>
+              <a:rPr lang="en-DE" dirty="0"/>
               <a:t>ary information you need to do this. We had no idea what’s going to happen next.</a:t>
             </a:r>
           </a:p>
           <a:p>
             <a:br>
-              <a:rPr lang="en-DE"/>
+              <a:rPr lang="en-DE" dirty="0"/>
             </a:br>
             <a:r>
-              <a:rPr lang="en-DE"/>
+              <a:rPr lang="en-DE" dirty="0"/>
               <a:t>But it was also not a case that we can just relax and wait, no one had an idea how it should look like in the end. </a:t>
             </a:r>
           </a:p>
@@ -5812,13 +5345,13 @@
           <a:lstStyle/>
           <a:p>
             <a:r>
-              <a:rPr lang="en-DE"/>
+              <a:rPr lang="en-DE" dirty="0"/>
               <a:t>So we started to think how the processes should look like, how to calculate inventory, track articles inside the warehouse and so on. Looking into our system, making some assumptions and taking into account problems which were coming up during a merger process we were trying to create a new design.</a:t>
             </a:r>
             <a:br>
-              <a:rPr lang="en-DE"/>
+              <a:rPr lang="en-DE" dirty="0"/>
             </a:br>
-            <a:endParaRPr lang="en-DE"/>
+            <a:endParaRPr lang="en-DE" dirty="0"/>
           </a:p>
           <a:p>
             <a:pPr marL="0" marR="0" lvl="0" indent="0" algn="l" defTabSz="914400" rtl="0" eaLnBrk="1" fontAlgn="auto" latinLnBrk="0" hangingPunct="1">
@@ -5839,33 +5372,33 @@
               <a:defRPr/>
             </a:pPr>
             <a:r>
-              <a:rPr lang="en-DE"/>
+              <a:rPr lang="en-DE" dirty="0"/>
               <a:t>It took some time but in a couple of weeks we did came up with some ideas. So finally we can write some code! We can build PoC and validate our ideas to see if it's rly gonna work as expected.</a:t>
             </a:r>
             <a:br>
-              <a:rPr lang="en-DE"/>
+              <a:rPr lang="en-DE" dirty="0"/>
             </a:br>
             <a:br>
-              <a:rPr lang="en-DE"/>
+              <a:rPr lang="en-DE" dirty="0"/>
             </a:br>
             <a:r>
-              <a:rPr lang="en-DE" sz="1200"/>
+              <a:rPr lang="en-DE" sz="1200" dirty="0"/>
               <a:t>We briefly discussed </a:t>
             </a:r>
             <a:r>
-              <a:rPr lang="en-DE" sz="1600"/>
+              <a:rPr lang="en-DE" sz="1600" dirty="0"/>
               <a:t>technologies</a:t>
             </a:r>
             <a:r>
-              <a:rPr lang="en-DE" sz="1200"/>
+              <a:rPr lang="en-DE" sz="1200" dirty="0"/>
               <a:t> we were going to use. But we were working in the same team for a quite some time, so everyone were on the same page and not thinking of using something different.</a:t>
             </a:r>
           </a:p>
           <a:p>
-            <a:endParaRPr lang="en-DE"/>
+            <a:endParaRPr lang="en-DE" dirty="0"/>
           </a:p>
           <a:p>
-            <a:endParaRPr lang="en-DE"/>
+            <a:endParaRPr lang="en-DE" dirty="0"/>
           </a:p>
         </p:txBody>
       </p:sp>
@@ -5927,17 +5460,17 @@
           <a:lstStyle/>
           <a:p>
             <a:r>
-              <a:rPr lang="en-DE" sz="1400"/>
+              <a:rPr lang="en-DE" sz="1400" dirty="0"/>
               <a:t>Up to a moment when the idea of using nonSQL database was thrown on a table. Who shouldn’t we try CosmosDB? </a:t>
             </a:r>
             <a:br>
-              <a:rPr lang="en-DE" sz="1400"/>
+              <a:rPr lang="en-DE" sz="1400" dirty="0"/>
             </a:br>
             <a:br>
-              <a:rPr lang="en-DE" sz="1400"/>
+              <a:rPr lang="en-DE" sz="1400" dirty="0"/>
             </a:br>
             <a:r>
-              <a:rPr lang="en-DE"/>
+              <a:rPr lang="en-DE" dirty="0"/>
               <a:t>Really why not, it was fitting quite well. </a:t>
             </a:r>
             <a:r>
@@ -5949,58 +5482,58 @@
               <a:t>smth</a:t>
             </a:r>
             <a:r>
-              <a:rPr lang="en-US"/>
+              <a:rPr lang="en-US" dirty="0"/>
               <a:t> else and volunteered myself out of pure curiosity to investigate this option.</a:t>
             </a:r>
             <a:r>
-              <a:rPr lang="en-DE"/>
+              <a:rPr lang="en-DE" dirty="0"/>
               <a:t> We decided to give it a try, it was great to have a plan B or alternative solution, so we can later make a comparison and choose what works better for us. </a:t>
             </a:r>
             <a:br>
-              <a:rPr lang="en-DE"/>
+              <a:rPr lang="en-DE" dirty="0"/>
             </a:br>
             <a:r>
-              <a:rPr lang="en-US"/>
+              <a:rPr lang="en-US" dirty="0"/>
               <a:t>One day I was talking with head of engineering and he told me </a:t>
             </a:r>
             <a:r>
-              <a:rPr lang="en-US" err="1"/>
+              <a:rPr lang="en-US" dirty="0" err="1"/>
               <a:t>smth</a:t>
             </a:r>
             <a:r>
-              <a:rPr lang="en-US"/>
+              <a:rPr lang="en-US" dirty="0"/>
               <a:t> like: Remember that your queries shouldn’t consume more than 10RUs. And I having absolutely no idea what he’s  actually talking about genuinely agreed with him. That was a moment when I realized that there is much more than just to make it work.</a:t>
             </a:r>
             <a:br>
-              <a:rPr lang="en-US"/>
+              <a:rPr lang="en-US" dirty="0"/>
             </a:br>
-            <a:endParaRPr lang="en-US"/>
+            <a:endParaRPr lang="en-US" dirty="0"/>
           </a:p>
           <a:p>
             <a:r>
-              <a:rPr lang="en-US"/>
+              <a:rPr lang="en-US" dirty="0"/>
               <a:t>While we were building </a:t>
             </a:r>
             <a:r>
-              <a:rPr lang="en-US" err="1"/>
+              <a:rPr lang="en-US" dirty="0" err="1"/>
               <a:t>PoC</a:t>
             </a:r>
             <a:r>
-              <a:rPr lang="en-US"/>
+              <a:rPr lang="en-US" dirty="0"/>
               <a:t> using technologies we picked before I also kept looking into </a:t>
             </a:r>
             <a:r>
-              <a:rPr lang="en-US" err="1"/>
+              <a:rPr lang="en-US" dirty="0" err="1"/>
               <a:t>CosmosDB</a:t>
             </a:r>
             <a:r>
-              <a:rPr lang="en-US"/>
+              <a:rPr lang="en-US" dirty="0"/>
               <a:t> itself trying to understand it better and how to properly use it.</a:t>
             </a:r>
-            <a:endParaRPr lang="en-DE"/>
+            <a:endParaRPr lang="en-DE" dirty="0"/>
           </a:p>
           <a:p>
-            <a:endParaRPr lang="en-DE"/>
+            <a:endParaRPr lang="en-DE" dirty="0"/>
           </a:p>
         </p:txBody>
       </p:sp>
@@ -6061,201 +5594,6 @@
           <a:bodyPr/>
           <a:lstStyle/>
           <a:p>
-            <a:br>
-              <a:rPr lang="en-US" dirty="0"/>
-            </a:br>
-            <a:r>
-              <a:rPr lang="en-US" dirty="0"/>
-              <a:t>One hour won’t be enough to tell you about all the interesting features  I’ve learned, but I’ll definitely mention those which were in my opinion most important for my case and this session.</a:t>
-            </a:r>
-          </a:p>
-          <a:p>
-            <a:br>
-              <a:rPr lang="en-US" sz="1200" b="0" i="0" kern="1200" dirty="0">
-                <a:solidFill>
-                  <a:schemeClr val="tx1"/>
-                </a:solidFill>
-                <a:effectLst/>
-                <a:latin typeface="+mn-lt"/>
-                <a:ea typeface="+mn-ea"/>
-                <a:cs typeface="+mn-cs"/>
-              </a:rPr>
-            </a:br>
-            <a:r>
-              <a:rPr lang="en-US" sz="1200" b="0" i="0" kern="1200" dirty="0">
-                <a:solidFill>
-                  <a:schemeClr val="tx1"/>
-                </a:solidFill>
-                <a:effectLst/>
-                <a:latin typeface="+mn-lt"/>
-                <a:ea typeface="+mn-ea"/>
-                <a:cs typeface="+mn-cs"/>
-              </a:rPr>
-              <a:t>First of all, as you can see that </a:t>
-            </a:r>
-            <a:r>
-              <a:rPr lang="en-US" sz="1200" b="0" i="0" kern="1200" dirty="0" err="1">
-                <a:solidFill>
-                  <a:schemeClr val="tx1"/>
-                </a:solidFill>
-                <a:effectLst/>
-                <a:latin typeface="+mn-lt"/>
-                <a:ea typeface="+mn-ea"/>
-                <a:cs typeface="+mn-cs"/>
-              </a:rPr>
-              <a:t>cosmosDB</a:t>
-            </a:r>
-            <a:r>
-              <a:rPr lang="en-US" sz="1200" b="0" i="0" kern="1200" dirty="0">
-                <a:solidFill>
-                  <a:schemeClr val="tx1"/>
-                </a:solidFill>
-                <a:effectLst/>
-                <a:latin typeface="+mn-lt"/>
-                <a:ea typeface="+mn-ea"/>
-                <a:cs typeface="+mn-cs"/>
-              </a:rPr>
-              <a:t> has different APIs such as………for me personally was important that I can use SQL </a:t>
-            </a:r>
-            <a:r>
-              <a:rPr lang="en-US" sz="1200" b="0" i="0" kern="1200" dirty="0" err="1">
-                <a:solidFill>
-                  <a:schemeClr val="tx1"/>
-                </a:solidFill>
-                <a:effectLst/>
-                <a:latin typeface="+mn-lt"/>
-                <a:ea typeface="+mn-ea"/>
-                <a:cs typeface="+mn-cs"/>
-              </a:rPr>
-              <a:t>api</a:t>
-            </a:r>
-            <a:r>
-              <a:rPr lang="en-US" sz="1200" b="0" i="0" kern="1200" dirty="0">
-                <a:solidFill>
-                  <a:schemeClr val="tx1"/>
-                </a:solidFill>
-                <a:effectLst/>
-                <a:latin typeface="+mn-lt"/>
-                <a:ea typeface="+mn-ea"/>
-                <a:cs typeface="+mn-cs"/>
-              </a:rPr>
-              <a:t> and start working right away, as I had no experience with other syntax before.</a:t>
-            </a:r>
-            <a:br>
-              <a:rPr lang="en-US" sz="1200" b="0" i="0" kern="1200" dirty="0">
-                <a:solidFill>
-                  <a:schemeClr val="tx1"/>
-                </a:solidFill>
-                <a:effectLst/>
-                <a:latin typeface="+mn-lt"/>
-                <a:ea typeface="+mn-ea"/>
-                <a:cs typeface="+mn-cs"/>
-              </a:rPr>
-            </a:br>
-            <a:br>
-              <a:rPr lang="en-US" sz="1200" b="0" i="0" kern="1200" dirty="0">
-                <a:solidFill>
-                  <a:schemeClr val="tx1"/>
-                </a:solidFill>
-                <a:effectLst/>
-                <a:latin typeface="+mn-lt"/>
-                <a:ea typeface="+mn-ea"/>
-                <a:cs typeface="+mn-cs"/>
-              </a:rPr>
-            </a:br>
-            <a:r>
-              <a:rPr lang="en-US" sz="1200" b="0" i="0" kern="1200" dirty="0">
-                <a:solidFill>
-                  <a:schemeClr val="tx1"/>
-                </a:solidFill>
-                <a:effectLst/>
-                <a:latin typeface="+mn-lt"/>
-                <a:ea typeface="+mn-ea"/>
-                <a:cs typeface="+mn-cs"/>
-              </a:rPr>
-              <a:t>For companies like mine it’s very important to be </a:t>
-            </a:r>
-            <a:r>
-              <a:rPr lang="en-GB" sz="1200" b="0" i="0" kern="1200" dirty="0">
-                <a:solidFill>
-                  <a:schemeClr val="tx1"/>
-                </a:solidFill>
-                <a:effectLst/>
-                <a:latin typeface="+mn-lt"/>
-                <a:ea typeface="+mn-ea"/>
-                <a:cs typeface="+mn-cs"/>
-              </a:rPr>
-              <a:t>highly responsive and always online. It’s means that data should be as close as possible to users and such applications called globally distributed. Of course you also need to have a globally distributed database such as </a:t>
-            </a:r>
-            <a:r>
-              <a:rPr lang="en-GB" sz="1200" b="0" i="0" kern="1200" dirty="0" err="1">
-                <a:solidFill>
-                  <a:schemeClr val="tx1"/>
-                </a:solidFill>
-                <a:effectLst/>
-                <a:latin typeface="+mn-lt"/>
-                <a:ea typeface="+mn-ea"/>
-                <a:cs typeface="+mn-cs"/>
-              </a:rPr>
-              <a:t>CosmosDB</a:t>
-            </a:r>
-            <a:r>
-              <a:rPr lang="en-GB" sz="1200" b="0" i="0" kern="1200" dirty="0">
-                <a:solidFill>
-                  <a:schemeClr val="tx1"/>
-                </a:solidFill>
-                <a:effectLst/>
-                <a:latin typeface="+mn-lt"/>
-                <a:ea typeface="+mn-ea"/>
-                <a:cs typeface="+mn-cs"/>
-              </a:rPr>
-              <a:t>. </a:t>
-            </a:r>
-            <a:br>
-              <a:rPr lang="en-GB" sz="1200" b="0" i="0" kern="1200" dirty="0">
-                <a:solidFill>
-                  <a:schemeClr val="tx1"/>
-                </a:solidFill>
-                <a:effectLst/>
-                <a:latin typeface="+mn-lt"/>
-                <a:ea typeface="+mn-ea"/>
-                <a:cs typeface="+mn-cs"/>
-              </a:rPr>
-            </a:br>
-            <a:br>
-              <a:rPr lang="en-GB" sz="1200" b="0" i="0" kern="1200" dirty="0">
-                <a:solidFill>
-                  <a:schemeClr val="tx1"/>
-                </a:solidFill>
-                <a:effectLst/>
-                <a:latin typeface="+mn-lt"/>
-                <a:ea typeface="+mn-ea"/>
-                <a:cs typeface="+mn-cs"/>
-              </a:rPr>
-            </a:br>
-            <a:r>
-              <a:rPr lang="en-GB" sz="1200" b="0" i="0" kern="1200" dirty="0">
-                <a:solidFill>
-                  <a:schemeClr val="tx1"/>
-                </a:solidFill>
-                <a:effectLst/>
-                <a:latin typeface="+mn-lt"/>
-                <a:ea typeface="+mn-ea"/>
-                <a:cs typeface="+mn-cs"/>
-              </a:rPr>
-              <a:t>Besides that it’s massively scalable and offers 5 different levels of consistency.</a:t>
-            </a:r>
-            <a:br>
-              <a:rPr lang="en-US" sz="1200" b="0" i="0" kern="1200" dirty="0">
-                <a:solidFill>
-                  <a:schemeClr val="tx1"/>
-                </a:solidFill>
-                <a:effectLst/>
-                <a:latin typeface="+mn-lt"/>
-                <a:ea typeface="+mn-ea"/>
-                <a:cs typeface="+mn-cs"/>
-              </a:rPr>
-            </a:br>
             <a:endParaRPr lang="en-DE" dirty="0"/>
           </a:p>
         </p:txBody>
@@ -6316,16 +5654,6 @@
         <p:txBody>
           <a:bodyPr/>
           <a:lstStyle/>
-          <a:p>
-            <a:r>
-              <a:rPr lang="en-US" dirty="0"/>
-              <a:t>Latency, Throughput currency  Request units;</a:t>
-            </a:r>
-            <a:br>
-              <a:rPr lang="en-US" dirty="0"/>
-            </a:br>
-            <a:endParaRPr lang="en-DE" dirty="0"/>
-          </a:p>
           <a:p>
             <a:r>
               <a:rPr lang="en-DE" dirty="0"/>
@@ -6397,16 +5725,6 @@
           <a:bodyPr/>
           <a:lstStyle/>
           <a:p>
-            <a:r>
-              <a:rPr lang="en-US" dirty="0"/>
-              <a:t>Explain difference between logical and physical partition.</a:t>
-            </a:r>
-            <a:br>
-              <a:rPr lang="en-US" dirty="0"/>
-            </a:br>
-            <a:br>
-              <a:rPr lang="en-US" dirty="0"/>
-            </a:br>
             <a:r>
               <a:rPr lang="en-GB" sz="1200" b="0" i="0" kern="1200" dirty="0">
                 <a:solidFill>
@@ -7150,215 +6468,6 @@
   <p:clrMapOvr>
     <a:masterClrMapping/>
   </p:clrMapOvr>
-</p:sldLayout>
-</file>
-
-<file path=ppt/slideLayouts/slideLayout12.xml><?xml version="1.0" encoding="utf-8"?>
-<p:sldLayout xmlns:a="http://schemas.openxmlformats.org/drawingml/2006/main" xmlns:r="http://schemas.openxmlformats.org/officeDocument/2006/relationships" xmlns:p="http://schemas.openxmlformats.org/presentationml/2006/main" userDrawn="1">
-  <p:cSld name="Title Slide - 1">
-    <p:bg>
-      <p:bgRef idx="1001">
-        <a:schemeClr val="bg2"/>
-      </p:bgRef>
-    </p:bg>
-    <p:spTree>
-      <p:nvGrpSpPr>
-        <p:cNvPr id="1" name=""/>
-        <p:cNvGrpSpPr/>
-        <p:nvPr/>
-      </p:nvGrpSpPr>
-      <p:grpSpPr>
-        <a:xfrm>
-          <a:off x="0" y="0"/>
-          <a:ext cx="0" cy="0"/>
-          <a:chOff x="0" y="0"/>
-          <a:chExt cx="0" cy="0"/>
-        </a:xfrm>
-      </p:grpSpPr>
-      <p:pic>
-        <p:nvPicPr>
-          <p:cNvPr id="4" name="Picture 3" descr="A picture containing light, night&#10;&#10;Description automatically generated">
-            <a:extLst>
-              <a:ext uri="{FF2B5EF4-FFF2-40B4-BE49-F238E27FC236}">
-                <a16:creationId xmlns:a16="http://schemas.microsoft.com/office/drawing/2014/main" id="{451AE0CE-0A83-4434-B2D0-8A01F6591EEF}"/>
-              </a:ext>
-            </a:extLst>
-          </p:cNvPr>
-          <p:cNvPicPr>
-            <a:picLocks noChangeAspect="1"/>
-          </p:cNvPicPr>
-          <p:nvPr userDrawn="1"/>
-        </p:nvPicPr>
-        <p:blipFill rotWithShape="1">
-          <a:blip r:embed="rId2" cstate="print">
-            <a:extLst>
-              <a:ext uri="{28A0092B-C50C-407E-A947-70E740481C1C}">
-                <a14:useLocalDpi xmlns:a14="http://schemas.microsoft.com/office/drawing/2010/main"/>
-              </a:ext>
-            </a:extLst>
-          </a:blip>
-          <a:srcRect l="1447" t="2999" b="8315"/>
-          <a:stretch/>
-        </p:blipFill>
-        <p:spPr>
-          <a:xfrm>
-            <a:off x="0" y="1"/>
-            <a:ext cx="12191999" cy="6858000"/>
-          </a:xfrm>
-          <a:prstGeom prst="rect">
-            <a:avLst/>
-          </a:prstGeom>
-        </p:spPr>
-      </p:pic>
-      <p:pic>
-        <p:nvPicPr>
-          <p:cNvPr id="16" name="Picture 15" hidden="1"/>
-          <p:cNvPicPr>
-            <a:picLocks noChangeAspect="1"/>
-          </p:cNvPicPr>
-          <p:nvPr userDrawn="1"/>
-        </p:nvPicPr>
-        <p:blipFill>
-          <a:blip r:embed="rId3" cstate="screen">
-            <a:extLst>
-              <a:ext uri="{28A0092B-C50C-407E-A947-70E740481C1C}">
-                <a14:useLocalDpi xmlns:a14="http://schemas.microsoft.com/office/drawing/2010/main"/>
-              </a:ext>
-            </a:extLst>
-          </a:blip>
-          <a:stretch>
-            <a:fillRect/>
-          </a:stretch>
-        </p:blipFill>
-        <p:spPr bwMode="black">
-          <a:xfrm>
-            <a:off x="450204" y="6119147"/>
-            <a:ext cx="1253377" cy="268787"/>
-          </a:xfrm>
-          <a:prstGeom prst="rect">
-            <a:avLst/>
-          </a:prstGeom>
-        </p:spPr>
-      </p:pic>
-      <p:sp>
-        <p:nvSpPr>
-          <p:cNvPr id="13" name="Title 1"/>
-          <p:cNvSpPr>
-            <a:spLocks noGrp="1"/>
-          </p:cNvSpPr>
-          <p:nvPr>
-            <p:ph type="title" hasCustomPrompt="1"/>
-          </p:nvPr>
-        </p:nvSpPr>
-        <p:spPr>
-          <a:xfrm>
-            <a:off x="543148" y="2084187"/>
-            <a:ext cx="10781998" cy="1793090"/>
-          </a:xfrm>
-          <a:noFill/>
-        </p:spPr>
-        <p:txBody>
-          <a:bodyPr lIns="146304" tIns="91440" rIns="146304" bIns="91440" anchor="t" anchorCtr="0"/>
-          <a:lstStyle>
-            <a:lvl1pPr>
-              <a:defRPr sz="5294" spc="-98" baseline="0">
-                <a:gradFill>
-                  <a:gsLst>
-                    <a:gs pos="100000">
-                      <a:schemeClr val="tx2"/>
-                    </a:gs>
-                    <a:gs pos="0">
-                      <a:schemeClr val="tx2"/>
-                    </a:gs>
-                  </a:gsLst>
-                  <a:lin ang="5400000" scaled="0"/>
-                </a:gradFill>
-                <a:latin typeface="+mn-lt"/>
-              </a:defRPr>
-            </a:lvl1pPr>
-          </a:lstStyle>
-          <a:p>
-            <a:r>
-              <a:rPr lang="en-US" dirty="0"/>
-              <a:t>Presentation title</a:t>
-            </a:r>
-          </a:p>
-        </p:txBody>
-      </p:sp>
-      <p:sp>
-        <p:nvSpPr>
-          <p:cNvPr id="14" name="Text Placeholder 4"/>
-          <p:cNvSpPr>
-            <a:spLocks noGrp="1"/>
-          </p:cNvSpPr>
-          <p:nvPr>
-            <p:ph type="body" sz="quarter" idx="12" hasCustomPrompt="1"/>
-          </p:nvPr>
-        </p:nvSpPr>
-        <p:spPr>
-          <a:xfrm>
-            <a:off x="543148" y="3878577"/>
-            <a:ext cx="10781996" cy="1792326"/>
-          </a:xfrm>
-          <a:noFill/>
-        </p:spPr>
-        <p:txBody>
-          <a:bodyPr lIns="146304" tIns="109728" rIns="146304" bIns="109728">
-            <a:noAutofit/>
-          </a:bodyPr>
-          <a:lstStyle>
-            <a:lvl1pPr marL="0" indent="0">
-              <a:spcBef>
-                <a:spcPts val="0"/>
-              </a:spcBef>
-              <a:buNone/>
-              <a:defRPr sz="3138" spc="0" baseline="0">
-                <a:gradFill>
-                  <a:gsLst>
-                    <a:gs pos="91000">
-                      <a:schemeClr val="tx1"/>
-                    </a:gs>
-                    <a:gs pos="0">
-                      <a:schemeClr val="tx1"/>
-                    </a:gs>
-                  </a:gsLst>
-                  <a:lin ang="5400000" scaled="0"/>
-                </a:gradFill>
-                <a:latin typeface="+mn-lt"/>
-              </a:defRPr>
-            </a:lvl1pPr>
-          </a:lstStyle>
-          <a:p>
-            <a:pPr lvl="0"/>
-            <a:r>
-              <a:rPr lang="en-US" dirty="0"/>
-              <a:t>Speaker Name</a:t>
-            </a:r>
-          </a:p>
-        </p:txBody>
-      </p:sp>
-    </p:spTree>
-    <p:extLst>
-      <p:ext uri="{BB962C8B-B14F-4D97-AF65-F5344CB8AC3E}">
-        <p14:creationId xmlns:p14="http://schemas.microsoft.com/office/powerpoint/2010/main" val="1484485161"/>
-      </p:ext>
-    </p:extLst>
-  </p:cSld>
-  <p:clrMapOvr>
-    <a:overrideClrMapping bg1="dk1" tx1="lt1" bg2="dk2" tx2="lt2" accent1="accent1" accent2="accent2" accent3="accent3" accent4="accent4" accent5="accent5" accent6="accent6" hlink="hlink" folHlink="folHlink"/>
-  </p:clrMapOvr>
-  <mc:AlternateContent xmlns:mc="http://schemas.openxmlformats.org/markup-compatibility/2006" xmlns:p14="http://schemas.microsoft.com/office/powerpoint/2010/main">
-    <mc:Choice Requires="p14">
-      <p:transition spd="med" p14:dur="700">
-        <p:fade/>
-      </p:transition>
-    </mc:Choice>
-    <mc:Fallback xmlns="">
-      <p:transition spd="med">
-        <p:fade/>
-      </p:transition>
-    </mc:Fallback>
-  </mc:AlternateContent>
 </p:sldLayout>
 </file>
 
@@ -10077,7 +9186,6 @@
     <p:sldLayoutId id="2147484079" r:id="rId9"/>
     <p:sldLayoutId id="2147484080" r:id="rId10"/>
     <p:sldLayoutId id="2147484081" r:id="rId11"/>
-    <p:sldLayoutId id="2147484082" r:id="rId12"/>
   </p:sldLayoutIdLst>
   <p:hf sldNum="0" hdr="0" ftr="0" dt="0"/>
   <p:txStyles>
@@ -17800,13 +16908,13 @@
   <p:clrMapOvr>
     <a:masterClrMapping/>
   </p:clrMapOvr>
-  <mc:AlternateContent xmlns:mc="http://schemas.openxmlformats.org/markup-compatibility/2006">
-    <mc:Choice xmlns:p159="http://schemas.microsoft.com/office/powerpoint/2015/09/main" Requires="p159">
+  <mc:AlternateContent xmlns:mc="http://schemas.openxmlformats.org/markup-compatibility/2006" xmlns:p159="http://schemas.microsoft.com/office/powerpoint/2015/09/main">
+    <mc:Choice Requires="p159">
       <p:transition xmlns:p14="http://schemas.microsoft.com/office/powerpoint/2010/main" spd="slow" p14:dur="2000">
         <p159:morph option="byObject"/>
       </p:transition>
     </mc:Choice>
-    <mc:Fallback>
+    <mc:Fallback xmlns="">
       <p:transition spd="slow">
         <p:fade/>
       </p:transition>
@@ -18504,739 +17612,6 @@
 </file>
 
 <file path=ppt/slides/slide20.xml><?xml version="1.0" encoding="utf-8"?>
-<p:sld xmlns:a="http://schemas.openxmlformats.org/drawingml/2006/main" xmlns:r="http://schemas.openxmlformats.org/officeDocument/2006/relationships" xmlns:p="http://schemas.openxmlformats.org/presentationml/2006/main">
-  <p:cSld>
-    <p:spTree>
-      <p:nvGrpSpPr>
-        <p:cNvPr id="1" name=""/>
-        <p:cNvGrpSpPr/>
-        <p:nvPr/>
-      </p:nvGrpSpPr>
-      <p:grpSpPr>
-        <a:xfrm>
-          <a:off x="0" y="0"/>
-          <a:ext cx="0" cy="0"/>
-          <a:chOff x="0" y="0"/>
-          <a:chExt cx="0" cy="0"/>
-        </a:xfrm>
-      </p:grpSpPr>
-      <p:sp>
-        <p:nvSpPr>
-          <p:cNvPr id="8" name="Text Placeholder 1">
-            <a:extLst>
-              <a:ext uri="{FF2B5EF4-FFF2-40B4-BE49-F238E27FC236}">
-                <a16:creationId xmlns:a16="http://schemas.microsoft.com/office/drawing/2014/main" id="{2B9B115B-D375-49AF-AE47-A88E7A7CCD19}"/>
-              </a:ext>
-            </a:extLst>
-          </p:cNvPr>
-          <p:cNvSpPr txBox="1">
-            <a:spLocks/>
-          </p:cNvSpPr>
-          <p:nvPr/>
-        </p:nvSpPr>
-        <p:spPr>
-          <a:xfrm>
-            <a:off x="2764575" y="474575"/>
-            <a:ext cx="6662850" cy="983217"/>
-          </a:xfrm>
-          <a:prstGeom prst="rect">
-            <a:avLst/>
-          </a:prstGeom>
-        </p:spPr>
-        <p:txBody>
-          <a:bodyPr/>
-          <a:lstStyle>
-            <a:lvl1pPr marL="342900" marR="0" indent="-342900" algn="l" defTabSz="932742" rtl="0" eaLnBrk="1" fontAlgn="auto" latinLnBrk="0" hangingPunct="1">
-              <a:lnSpc>
-                <a:spcPct val="90000"/>
-              </a:lnSpc>
-              <a:spcBef>
-                <a:spcPct val="20000"/>
-              </a:spcBef>
-              <a:spcAft>
-                <a:spcPts val="0"/>
-              </a:spcAft>
-              <a:buClrTx/>
-              <a:buSzPct val="90000"/>
-              <a:buFont typeface="Arial" pitchFamily="34" charset="0"/>
-              <a:buChar char="•"/>
-              <a:tabLst/>
-              <a:defRPr sz="4000" kern="1200" spc="0" baseline="0">
-                <a:gradFill>
-                  <a:gsLst>
-                    <a:gs pos="1250">
-                      <a:schemeClr val="tx1"/>
-                    </a:gs>
-                    <a:gs pos="100000">
-                      <a:schemeClr val="tx1"/>
-                    </a:gs>
-                  </a:gsLst>
-                  <a:lin ang="5400000" scaled="0"/>
-                </a:gradFill>
-                <a:latin typeface="+mn-lt"/>
-                <a:ea typeface="+mn-ea"/>
-                <a:cs typeface="+mn-cs"/>
-              </a:defRPr>
-            </a:lvl1pPr>
-            <a:lvl2pPr marL="584200" marR="0" indent="-241300" algn="l" defTabSz="932742" rtl="0" eaLnBrk="1" fontAlgn="auto" latinLnBrk="0" hangingPunct="1">
-              <a:lnSpc>
-                <a:spcPct val="90000"/>
-              </a:lnSpc>
-              <a:spcBef>
-                <a:spcPct val="20000"/>
-              </a:spcBef>
-              <a:spcAft>
-                <a:spcPts val="0"/>
-              </a:spcAft>
-              <a:buClrTx/>
-              <a:buSzPct val="90000"/>
-              <a:buFont typeface="Arial" pitchFamily="34" charset="0"/>
-              <a:buChar char="•"/>
-              <a:tabLst/>
-              <a:defRPr sz="2400" kern="1200" spc="0" baseline="0">
-                <a:gradFill>
-                  <a:gsLst>
-                    <a:gs pos="1250">
-                      <a:schemeClr val="tx1"/>
-                    </a:gs>
-                    <a:gs pos="100000">
-                      <a:schemeClr val="tx1"/>
-                    </a:gs>
-                  </a:gsLst>
-                  <a:lin ang="5400000" scaled="0"/>
-                </a:gradFill>
-                <a:latin typeface="+mn-lt"/>
-                <a:ea typeface="+mn-ea"/>
-                <a:cs typeface="+mn-cs"/>
-              </a:defRPr>
-            </a:lvl2pPr>
-            <a:lvl3pPr marL="800100" marR="0" indent="-228600" algn="l" defTabSz="932742" rtl="0" eaLnBrk="1" fontAlgn="auto" latinLnBrk="0" hangingPunct="1">
-              <a:lnSpc>
-                <a:spcPct val="90000"/>
-              </a:lnSpc>
-              <a:spcBef>
-                <a:spcPct val="20000"/>
-              </a:spcBef>
-              <a:spcAft>
-                <a:spcPts val="0"/>
-              </a:spcAft>
-              <a:buClrTx/>
-              <a:buSzPct val="90000"/>
-              <a:buFont typeface="Arial" pitchFamily="34" charset="0"/>
-              <a:buChar char="•"/>
-              <a:tabLst/>
-              <a:defRPr sz="2000" kern="1200" spc="0" baseline="0">
-                <a:gradFill>
-                  <a:gsLst>
-                    <a:gs pos="1250">
-                      <a:schemeClr val="tx1"/>
-                    </a:gs>
-                    <a:gs pos="100000">
-                      <a:schemeClr val="tx1"/>
-                    </a:gs>
-                  </a:gsLst>
-                  <a:lin ang="5400000" scaled="0"/>
-                </a:gradFill>
-                <a:latin typeface="+mn-lt"/>
-                <a:ea typeface="+mn-ea"/>
-                <a:cs typeface="+mn-cs"/>
-              </a:defRPr>
-            </a:lvl3pPr>
-            <a:lvl4pPr marL="1028700" marR="0" indent="-228600" algn="l" defTabSz="932742" rtl="0" eaLnBrk="1" fontAlgn="auto" latinLnBrk="0" hangingPunct="1">
-              <a:lnSpc>
-                <a:spcPct val="90000"/>
-              </a:lnSpc>
-              <a:spcBef>
-                <a:spcPct val="20000"/>
-              </a:spcBef>
-              <a:spcAft>
-                <a:spcPts val="0"/>
-              </a:spcAft>
-              <a:buClrTx/>
-              <a:buSzPct val="90000"/>
-              <a:buFont typeface="Arial" pitchFamily="34" charset="0"/>
-              <a:buChar char="•"/>
-              <a:tabLst/>
-              <a:defRPr sz="1800" kern="1200" spc="0" baseline="0">
-                <a:gradFill>
-                  <a:gsLst>
-                    <a:gs pos="1250">
-                      <a:schemeClr val="tx1"/>
-                    </a:gs>
-                    <a:gs pos="100000">
-                      <a:schemeClr val="tx1"/>
-                    </a:gs>
-                  </a:gsLst>
-                  <a:lin ang="5400000" scaled="0"/>
-                </a:gradFill>
-                <a:latin typeface="+mn-lt"/>
-                <a:ea typeface="+mn-ea"/>
-                <a:cs typeface="+mn-cs"/>
-              </a:defRPr>
-            </a:lvl4pPr>
-            <a:lvl5pPr marL="1257300" marR="0" indent="-228600" algn="l" defTabSz="932742" rtl="0" eaLnBrk="1" fontAlgn="auto" latinLnBrk="0" hangingPunct="1">
-              <a:lnSpc>
-                <a:spcPct val="90000"/>
-              </a:lnSpc>
-              <a:spcBef>
-                <a:spcPct val="20000"/>
-              </a:spcBef>
-              <a:spcAft>
-                <a:spcPts val="0"/>
-              </a:spcAft>
-              <a:buClrTx/>
-              <a:buSzPct val="90000"/>
-              <a:buFont typeface="Arial" pitchFamily="34" charset="0"/>
-              <a:buChar char="•"/>
-              <a:tabLst/>
-              <a:defRPr sz="1800" kern="1200" spc="0" baseline="0">
-                <a:gradFill>
-                  <a:gsLst>
-                    <a:gs pos="1250">
-                      <a:schemeClr val="tx1"/>
-                    </a:gs>
-                    <a:gs pos="100000">
-                      <a:schemeClr val="tx1"/>
-                    </a:gs>
-                  </a:gsLst>
-                  <a:lin ang="5400000" scaled="0"/>
-                </a:gradFill>
-                <a:latin typeface="+mn-lt"/>
-                <a:ea typeface="+mn-ea"/>
-                <a:cs typeface="+mn-cs"/>
-              </a:defRPr>
-            </a:lvl5pPr>
-            <a:lvl6pPr marL="2565040" indent="-233186" algn="l" defTabSz="932742" rtl="0" eaLnBrk="1" latinLnBrk="0" hangingPunct="1">
-              <a:spcBef>
-                <a:spcPct val="20000"/>
-              </a:spcBef>
-              <a:buFont typeface="Arial" pitchFamily="34" charset="0"/>
-              <a:buChar char="•"/>
-              <a:defRPr sz="2000" kern="1200">
-                <a:solidFill>
-                  <a:schemeClr val="tx1"/>
-                </a:solidFill>
-                <a:latin typeface="+mn-lt"/>
-                <a:ea typeface="+mn-ea"/>
-                <a:cs typeface="+mn-cs"/>
-              </a:defRPr>
-            </a:lvl6pPr>
-            <a:lvl7pPr marL="3031412" indent="-233186" algn="l" defTabSz="932742" rtl="0" eaLnBrk="1" latinLnBrk="0" hangingPunct="1">
-              <a:spcBef>
-                <a:spcPct val="20000"/>
-              </a:spcBef>
-              <a:buFont typeface="Arial" pitchFamily="34" charset="0"/>
-              <a:buChar char="•"/>
-              <a:defRPr sz="2000" kern="1200">
-                <a:solidFill>
-                  <a:schemeClr val="tx1"/>
-                </a:solidFill>
-                <a:latin typeface="+mn-lt"/>
-                <a:ea typeface="+mn-ea"/>
-                <a:cs typeface="+mn-cs"/>
-              </a:defRPr>
-            </a:lvl7pPr>
-            <a:lvl8pPr marL="3497783" indent="-233186" algn="l" defTabSz="932742" rtl="0" eaLnBrk="1" latinLnBrk="0" hangingPunct="1">
-              <a:spcBef>
-                <a:spcPct val="20000"/>
-              </a:spcBef>
-              <a:buFont typeface="Arial" pitchFamily="34" charset="0"/>
-              <a:buChar char="•"/>
-              <a:defRPr sz="2000" kern="1200">
-                <a:solidFill>
-                  <a:schemeClr val="tx1"/>
-                </a:solidFill>
-                <a:latin typeface="+mn-lt"/>
-                <a:ea typeface="+mn-ea"/>
-                <a:cs typeface="+mn-cs"/>
-              </a:defRPr>
-            </a:lvl8pPr>
-            <a:lvl9pPr marL="3964155" indent="-233186" algn="l" defTabSz="932742" rtl="0" eaLnBrk="1" latinLnBrk="0" hangingPunct="1">
-              <a:spcBef>
-                <a:spcPct val="20000"/>
-              </a:spcBef>
-              <a:buFont typeface="Arial" pitchFamily="34" charset="0"/>
-              <a:buChar char="•"/>
-              <a:defRPr sz="2000" kern="1200">
-                <a:solidFill>
-                  <a:schemeClr val="tx1"/>
-                </a:solidFill>
-                <a:latin typeface="+mn-lt"/>
-                <a:ea typeface="+mn-ea"/>
-                <a:cs typeface="+mn-cs"/>
-              </a:defRPr>
-            </a:lvl9pPr>
-          </a:lstStyle>
-          <a:p>
-            <a:pPr marL="0" indent="0" algn="ctr">
-              <a:buNone/>
-            </a:pPr>
-            <a:r>
-              <a:rPr lang="en-CA" sz="5294" b="1" dirty="0">
-                <a:latin typeface="Segoe UI Black" panose="020B0A02040204020203" pitchFamily="34" charset="0"/>
-                <a:ea typeface="Segoe UI Black" panose="020B0A02040204020203" pitchFamily="34" charset="0"/>
-              </a:rPr>
-              <a:t>Swag and more</a:t>
-            </a:r>
-          </a:p>
-        </p:txBody>
-      </p:sp>
-      <p:sp>
-        <p:nvSpPr>
-          <p:cNvPr id="9" name="Text Placeholder 2">
-            <a:extLst>
-              <a:ext uri="{FF2B5EF4-FFF2-40B4-BE49-F238E27FC236}">
-                <a16:creationId xmlns:a16="http://schemas.microsoft.com/office/drawing/2014/main" id="{9E8C1F7E-2B1A-4665-80DD-BACB809A1822}"/>
-              </a:ext>
-            </a:extLst>
-          </p:cNvPr>
-          <p:cNvSpPr txBox="1">
-            <a:spLocks/>
-          </p:cNvSpPr>
-          <p:nvPr/>
-        </p:nvSpPr>
-        <p:spPr>
-          <a:xfrm>
-            <a:off x="791476" y="2084191"/>
-            <a:ext cx="7814346" cy="4556999"/>
-          </a:xfrm>
-          <a:prstGeom prst="rect">
-            <a:avLst/>
-          </a:prstGeom>
-        </p:spPr>
-        <p:txBody>
-          <a:bodyPr lIns="89642" tIns="44821" rIns="89642" bIns="44821" anchor="t"/>
-          <a:lstStyle>
-            <a:lvl1pPr marL="342900" marR="0" indent="-342900" algn="l" defTabSz="932742" rtl="0" eaLnBrk="1" fontAlgn="auto" latinLnBrk="0" hangingPunct="1">
-              <a:lnSpc>
-                <a:spcPct val="90000"/>
-              </a:lnSpc>
-              <a:spcBef>
-                <a:spcPct val="20000"/>
-              </a:spcBef>
-              <a:spcAft>
-                <a:spcPts val="0"/>
-              </a:spcAft>
-              <a:buClrTx/>
-              <a:buSzPct val="90000"/>
-              <a:buFont typeface="Arial" pitchFamily="34" charset="0"/>
-              <a:buChar char="•"/>
-              <a:tabLst/>
-              <a:defRPr sz="4000" kern="1200" spc="0" baseline="0">
-                <a:gradFill>
-                  <a:gsLst>
-                    <a:gs pos="1250">
-                      <a:schemeClr val="tx1"/>
-                    </a:gs>
-                    <a:gs pos="100000">
-                      <a:schemeClr val="tx1"/>
-                    </a:gs>
-                  </a:gsLst>
-                  <a:lin ang="5400000" scaled="0"/>
-                </a:gradFill>
-                <a:latin typeface="+mn-lt"/>
-                <a:ea typeface="+mn-ea"/>
-                <a:cs typeface="+mn-cs"/>
-              </a:defRPr>
-            </a:lvl1pPr>
-            <a:lvl2pPr marL="584200" marR="0" indent="-241300" algn="l" defTabSz="932742" rtl="0" eaLnBrk="1" fontAlgn="auto" latinLnBrk="0" hangingPunct="1">
-              <a:lnSpc>
-                <a:spcPct val="90000"/>
-              </a:lnSpc>
-              <a:spcBef>
-                <a:spcPct val="20000"/>
-              </a:spcBef>
-              <a:spcAft>
-                <a:spcPts val="0"/>
-              </a:spcAft>
-              <a:buClrTx/>
-              <a:buSzPct val="90000"/>
-              <a:buFont typeface="Arial" pitchFamily="34" charset="0"/>
-              <a:buChar char="•"/>
-              <a:tabLst/>
-              <a:defRPr sz="2400" kern="1200" spc="0" baseline="0">
-                <a:gradFill>
-                  <a:gsLst>
-                    <a:gs pos="1250">
-                      <a:schemeClr val="tx1"/>
-                    </a:gs>
-                    <a:gs pos="100000">
-                      <a:schemeClr val="tx1"/>
-                    </a:gs>
-                  </a:gsLst>
-                  <a:lin ang="5400000" scaled="0"/>
-                </a:gradFill>
-                <a:latin typeface="+mn-lt"/>
-                <a:ea typeface="+mn-ea"/>
-                <a:cs typeface="+mn-cs"/>
-              </a:defRPr>
-            </a:lvl2pPr>
-            <a:lvl3pPr marL="800100" marR="0" indent="-228600" algn="l" defTabSz="932742" rtl="0" eaLnBrk="1" fontAlgn="auto" latinLnBrk="0" hangingPunct="1">
-              <a:lnSpc>
-                <a:spcPct val="90000"/>
-              </a:lnSpc>
-              <a:spcBef>
-                <a:spcPct val="20000"/>
-              </a:spcBef>
-              <a:spcAft>
-                <a:spcPts val="0"/>
-              </a:spcAft>
-              <a:buClrTx/>
-              <a:buSzPct val="90000"/>
-              <a:buFont typeface="Arial" pitchFamily="34" charset="0"/>
-              <a:buChar char="•"/>
-              <a:tabLst/>
-              <a:defRPr sz="2000" kern="1200" spc="0" baseline="0">
-                <a:gradFill>
-                  <a:gsLst>
-                    <a:gs pos="1250">
-                      <a:schemeClr val="tx1"/>
-                    </a:gs>
-                    <a:gs pos="100000">
-                      <a:schemeClr val="tx1"/>
-                    </a:gs>
-                  </a:gsLst>
-                  <a:lin ang="5400000" scaled="0"/>
-                </a:gradFill>
-                <a:latin typeface="+mn-lt"/>
-                <a:ea typeface="+mn-ea"/>
-                <a:cs typeface="+mn-cs"/>
-              </a:defRPr>
-            </a:lvl3pPr>
-            <a:lvl4pPr marL="1028700" marR="0" indent="-228600" algn="l" defTabSz="932742" rtl="0" eaLnBrk="1" fontAlgn="auto" latinLnBrk="0" hangingPunct="1">
-              <a:lnSpc>
-                <a:spcPct val="90000"/>
-              </a:lnSpc>
-              <a:spcBef>
-                <a:spcPct val="20000"/>
-              </a:spcBef>
-              <a:spcAft>
-                <a:spcPts val="0"/>
-              </a:spcAft>
-              <a:buClrTx/>
-              <a:buSzPct val="90000"/>
-              <a:buFont typeface="Arial" pitchFamily="34" charset="0"/>
-              <a:buChar char="•"/>
-              <a:tabLst/>
-              <a:defRPr sz="1800" kern="1200" spc="0" baseline="0">
-                <a:gradFill>
-                  <a:gsLst>
-                    <a:gs pos="1250">
-                      <a:schemeClr val="tx1"/>
-                    </a:gs>
-                    <a:gs pos="100000">
-                      <a:schemeClr val="tx1"/>
-                    </a:gs>
-                  </a:gsLst>
-                  <a:lin ang="5400000" scaled="0"/>
-                </a:gradFill>
-                <a:latin typeface="+mn-lt"/>
-                <a:ea typeface="+mn-ea"/>
-                <a:cs typeface="+mn-cs"/>
-              </a:defRPr>
-            </a:lvl4pPr>
-            <a:lvl5pPr marL="1257300" marR="0" indent="-228600" algn="l" defTabSz="932742" rtl="0" eaLnBrk="1" fontAlgn="auto" latinLnBrk="0" hangingPunct="1">
-              <a:lnSpc>
-                <a:spcPct val="90000"/>
-              </a:lnSpc>
-              <a:spcBef>
-                <a:spcPct val="20000"/>
-              </a:spcBef>
-              <a:spcAft>
-                <a:spcPts val="0"/>
-              </a:spcAft>
-              <a:buClrTx/>
-              <a:buSzPct val="90000"/>
-              <a:buFont typeface="Arial" pitchFamily="34" charset="0"/>
-              <a:buChar char="•"/>
-              <a:tabLst/>
-              <a:defRPr sz="1800" kern="1200" spc="0" baseline="0">
-                <a:gradFill>
-                  <a:gsLst>
-                    <a:gs pos="1250">
-                      <a:schemeClr val="tx1"/>
-                    </a:gs>
-                    <a:gs pos="100000">
-                      <a:schemeClr val="tx1"/>
-                    </a:gs>
-                  </a:gsLst>
-                  <a:lin ang="5400000" scaled="0"/>
-                </a:gradFill>
-                <a:latin typeface="+mn-lt"/>
-                <a:ea typeface="+mn-ea"/>
-                <a:cs typeface="+mn-cs"/>
-              </a:defRPr>
-            </a:lvl5pPr>
-            <a:lvl6pPr marL="2565040" indent="-233186" algn="l" defTabSz="932742" rtl="0" eaLnBrk="1" latinLnBrk="0" hangingPunct="1">
-              <a:spcBef>
-                <a:spcPct val="20000"/>
-              </a:spcBef>
-              <a:buFont typeface="Arial" pitchFamily="34" charset="0"/>
-              <a:buChar char="•"/>
-              <a:defRPr sz="2000" kern="1200">
-                <a:solidFill>
-                  <a:schemeClr val="tx1"/>
-                </a:solidFill>
-                <a:latin typeface="+mn-lt"/>
-                <a:ea typeface="+mn-ea"/>
-                <a:cs typeface="+mn-cs"/>
-              </a:defRPr>
-            </a:lvl6pPr>
-            <a:lvl7pPr marL="3031412" indent="-233186" algn="l" defTabSz="932742" rtl="0" eaLnBrk="1" latinLnBrk="0" hangingPunct="1">
-              <a:spcBef>
-                <a:spcPct val="20000"/>
-              </a:spcBef>
-              <a:buFont typeface="Arial" pitchFamily="34" charset="0"/>
-              <a:buChar char="•"/>
-              <a:defRPr sz="2000" kern="1200">
-                <a:solidFill>
-                  <a:schemeClr val="tx1"/>
-                </a:solidFill>
-                <a:latin typeface="+mn-lt"/>
-                <a:ea typeface="+mn-ea"/>
-                <a:cs typeface="+mn-cs"/>
-              </a:defRPr>
-            </a:lvl7pPr>
-            <a:lvl8pPr marL="3497783" indent="-233186" algn="l" defTabSz="932742" rtl="0" eaLnBrk="1" latinLnBrk="0" hangingPunct="1">
-              <a:spcBef>
-                <a:spcPct val="20000"/>
-              </a:spcBef>
-              <a:buFont typeface="Arial" pitchFamily="34" charset="0"/>
-              <a:buChar char="•"/>
-              <a:defRPr sz="2000" kern="1200">
-                <a:solidFill>
-                  <a:schemeClr val="tx1"/>
-                </a:solidFill>
-                <a:latin typeface="+mn-lt"/>
-                <a:ea typeface="+mn-ea"/>
-                <a:cs typeface="+mn-cs"/>
-              </a:defRPr>
-            </a:lvl8pPr>
-            <a:lvl9pPr marL="3964155" indent="-233186" algn="l" defTabSz="932742" rtl="0" eaLnBrk="1" latinLnBrk="0" hangingPunct="1">
-              <a:spcBef>
-                <a:spcPct val="20000"/>
-              </a:spcBef>
-              <a:buFont typeface="Arial" pitchFamily="34" charset="0"/>
-              <a:buChar char="•"/>
-              <a:defRPr sz="2000" kern="1200">
-                <a:solidFill>
-                  <a:schemeClr val="tx1"/>
-                </a:solidFill>
-                <a:latin typeface="+mn-lt"/>
-                <a:ea typeface="+mn-ea"/>
-                <a:cs typeface="+mn-cs"/>
-              </a:defRPr>
-            </a:lvl9pPr>
-          </a:lstStyle>
-          <a:p>
-            <a:r>
-              <a:rPr lang="en-US" sz="3138" dirty="0"/>
-              <a:t>Claim your attendee Learner Badge here:</a:t>
-            </a:r>
-          </a:p>
-          <a:p>
-            <a:endParaRPr lang="en-US" sz="3138" dirty="0"/>
-          </a:p>
-          <a:p>
-            <a:r>
-              <a:rPr lang="en-US" sz="3138" dirty="0"/>
-              <a:t>30 Days to learn it: </a:t>
-            </a:r>
-            <a:r>
-              <a:rPr lang="en-US" sz="3138" dirty="0">
-                <a:hlinkClick r:id="rId4"/>
-              </a:rPr>
-              <a:t>aka.ms/global-azure/30D2L</a:t>
-            </a:r>
-            <a:r>
-              <a:rPr lang="en-US" sz="3138" dirty="0"/>
-              <a:t> </a:t>
-            </a:r>
-          </a:p>
-          <a:p>
-            <a:endParaRPr lang="en-US" sz="3138" dirty="0"/>
-          </a:p>
-          <a:p>
-            <a:r>
-              <a:rPr lang="en-US" sz="3138" dirty="0"/>
-              <a:t>Virtual background and ANOTHER Badge: </a:t>
-            </a:r>
-            <a:r>
-              <a:rPr lang="en-US" sz="3138" dirty="0">
-                <a:hlinkClick r:id="rId5"/>
-              </a:rPr>
-              <a:t>blog.globalazure.net</a:t>
-            </a:r>
-            <a:r>
-              <a:rPr lang="en-US" sz="3138">
-                <a:hlinkClick r:id="rId5"/>
-              </a:rPr>
-              <a:t>/Swag</a:t>
-            </a:r>
-            <a:endParaRPr lang="en-US" sz="1569" dirty="0"/>
-          </a:p>
-          <a:p>
-            <a:pPr marL="0" indent="0">
-              <a:buNone/>
-            </a:pPr>
-            <a:r>
-              <a:rPr lang="en-US" sz="3138" dirty="0"/>
-              <a:t> </a:t>
-            </a:r>
-          </a:p>
-          <a:p>
-            <a:pPr marL="0" indent="0">
-              <a:buNone/>
-            </a:pPr>
-            <a:r>
-              <a:rPr lang="en-US" sz="3138" dirty="0"/>
-              <a:t> </a:t>
-            </a:r>
-          </a:p>
-          <a:p>
-            <a:pPr marL="0" indent="0">
-              <a:buNone/>
-            </a:pPr>
-            <a:endParaRPr lang="en-CA" sz="3138" dirty="0"/>
-          </a:p>
-        </p:txBody>
-      </p:sp>
-      <p:pic>
-        <p:nvPicPr>
-          <p:cNvPr id="12" name="Picture 2">
-            <a:extLst>
-              <a:ext uri="{FF2B5EF4-FFF2-40B4-BE49-F238E27FC236}">
-                <a16:creationId xmlns:a16="http://schemas.microsoft.com/office/drawing/2014/main" id="{D3F9C5E1-C6DA-46FC-8E2F-9DE5977FEFA5}"/>
-              </a:ext>
-            </a:extLst>
-          </p:cNvPr>
-          <p:cNvPicPr>
-            <a:picLocks noChangeAspect="1" noChangeArrowheads="1"/>
-          </p:cNvPicPr>
-          <p:nvPr/>
-        </p:nvPicPr>
-        <p:blipFill>
-          <a:blip r:embed="rId6" cstate="print">
-            <a:extLst>
-              <a:ext uri="{28A0092B-C50C-407E-A947-70E740481C1C}">
-                <a14:useLocalDpi xmlns:a14="http://schemas.microsoft.com/office/drawing/2010/main"/>
-              </a:ext>
-            </a:extLst>
-          </a:blip>
-          <a:srcRect/>
-          <a:stretch>
-            <a:fillRect/>
-          </a:stretch>
-        </p:blipFill>
-        <p:spPr bwMode="auto">
-          <a:xfrm>
-            <a:off x="343941" y="216811"/>
-            <a:ext cx="1942254" cy="1498747"/>
-          </a:xfrm>
-          <a:prstGeom prst="rect">
-            <a:avLst/>
-          </a:prstGeom>
-          <a:noFill/>
-          <a:extLst>
-            <a:ext uri="{909E8E84-426E-40DD-AFC4-6F175D3DCCD1}">
-              <a14:hiddenFill xmlns:a14="http://schemas.microsoft.com/office/drawing/2010/main">
-                <a:solidFill>
-                  <a:srgbClr val="FFFFFF"/>
-                </a:solidFill>
-              </a14:hiddenFill>
-            </a:ext>
-          </a:extLst>
-        </p:spPr>
-      </p:pic>
-      <p:pic>
-        <p:nvPicPr>
-          <p:cNvPr id="3" name="Picture 2" descr="Qr code&#10;&#10;Description automatically generated">
-            <a:extLst>
-              <a:ext uri="{FF2B5EF4-FFF2-40B4-BE49-F238E27FC236}">
-                <a16:creationId xmlns:a16="http://schemas.microsoft.com/office/drawing/2014/main" id="{5642BC1A-075B-460B-8CC7-6DB2E9163241}"/>
-              </a:ext>
-            </a:extLst>
-          </p:cNvPr>
-          <p:cNvPicPr>
-            <a:picLocks noChangeAspect="1"/>
-          </p:cNvPicPr>
-          <p:nvPr/>
-        </p:nvPicPr>
-        <p:blipFill>
-          <a:blip r:embed="rId7"/>
-          <a:stretch>
-            <a:fillRect/>
-          </a:stretch>
-        </p:blipFill>
-        <p:spPr>
-          <a:xfrm>
-            <a:off x="8959666" y="1586675"/>
-            <a:ext cx="2524658" cy="2524658"/>
-          </a:xfrm>
-          <a:prstGeom prst="rect">
-            <a:avLst/>
-          </a:prstGeom>
-        </p:spPr>
-      </p:pic>
-      <p:pic>
-        <p:nvPicPr>
-          <p:cNvPr id="11" name="Picture 10">
-            <a:extLst>
-              <a:ext uri="{FF2B5EF4-FFF2-40B4-BE49-F238E27FC236}">
-                <a16:creationId xmlns:a16="http://schemas.microsoft.com/office/drawing/2014/main" id="{1C6A7C04-B388-43AB-896D-C33706E3DE58}"/>
-              </a:ext>
-            </a:extLst>
-          </p:cNvPr>
-          <p:cNvPicPr>
-            <a:picLocks noChangeAspect="1"/>
-          </p:cNvPicPr>
-          <p:nvPr/>
-        </p:nvPicPr>
-        <p:blipFill>
-          <a:blip r:embed="rId8"/>
-          <a:stretch>
-            <a:fillRect/>
-          </a:stretch>
-        </p:blipFill>
-        <p:spPr>
-          <a:xfrm>
-            <a:off x="8959666" y="4240216"/>
-            <a:ext cx="2524658" cy="2524658"/>
-          </a:xfrm>
-          <a:prstGeom prst="rect">
-            <a:avLst/>
-          </a:prstGeom>
-        </p:spPr>
-      </p:pic>
-    </p:spTree>
-    <p:custDataLst>
-      <p:tags r:id="rId1"/>
-    </p:custDataLst>
-    <p:extLst>
-      <p:ext uri="{BB962C8B-B14F-4D97-AF65-F5344CB8AC3E}">
-        <p14:creationId xmlns:p14="http://schemas.microsoft.com/office/powerpoint/2010/main" val="2080074364"/>
-      </p:ext>
-    </p:extLst>
-  </p:cSld>
-  <p:clrMapOvr>
-    <a:masterClrMapping/>
-  </p:clrMapOvr>
-  <mc:AlternateContent xmlns:mc="http://schemas.openxmlformats.org/markup-compatibility/2006" xmlns:p14="http://schemas.microsoft.com/office/powerpoint/2010/main">
-    <mc:Choice Requires="p14">
-      <p:transition spd="med" p14:dur="700">
-        <p:fade/>
-      </p:transition>
-    </mc:Choice>
-    <mc:Fallback xmlns="">
-      <p:transition spd="med">
-        <p:fade/>
-      </p:transition>
-    </mc:Fallback>
-  </mc:AlternateContent>
-</p:sld>
-</file>
-
-<file path=ppt/slides/slide21.xml><?xml version="1.0" encoding="utf-8"?>
 <p:sld xmlns:a="http://schemas.openxmlformats.org/drawingml/2006/main" xmlns:r="http://schemas.openxmlformats.org/officeDocument/2006/relationships" xmlns:p="http://schemas.openxmlformats.org/presentationml/2006/main">
   <p:cSld>
     <p:spTree>
@@ -30505,12 +28880,6 @@
 </p:sld>
 </file>
 
-<file path=ppt/tags/tag1.xml><?xml version="1.0" encoding="utf-8"?>
-<p:tagLst xmlns:a="http://schemas.openxmlformats.org/drawingml/2006/main" xmlns:r="http://schemas.openxmlformats.org/officeDocument/2006/relationships" xmlns:p="http://schemas.openxmlformats.org/presentationml/2006/main">
-  <p:tag name="__MICROSOFT_TRANSLATOR_CLM_SLIDEINFO" val="{&quot;Guid&quot;:&quot;6691385c-7c95-4ceb-a425-9926cfca71e8&quot;,&quot;TimeStamp&quot;:&quot;2019-03-19T10:20:29.235869-07:00&quot;}"/>
-</p:tagLst>
-</file>
-
 <file path=ppt/theme/theme1.xml><?xml version="1.0" encoding="utf-8"?>
 <a:theme xmlns:a="http://schemas.openxmlformats.org/drawingml/2006/main" name="Office Theme">
   <a:themeElements>

--- a/ScalingYourDataToTheCosmos.pptx
+++ b/ScalingYourDataToTheCosmos.pptx
@@ -3234,7 +3234,7 @@
           <a:p>
             <a:fld id="{A8436D4C-C798-834F-90AA-143E39A3B782}" type="datetimeFigureOut">
               <a:rPr lang="en-DE" smtClean="0"/>
-              <a:t>15.04.21</a:t>
+              <a:t>09.05.21</a:t>
             </a:fld>
             <a:endParaRPr lang="en-DE"/>
           </a:p>
@@ -3412,7 +3412,7 @@
           <a:p>
             <a:fld id="{39EA3DB6-A7B6-6146-8CCF-ACA95E1805BF}" type="datetimeFigureOut">
               <a:rPr lang="en-DE" smtClean="0"/>
-              <a:t>15.04.21</a:t>
+              <a:t>09.05.21</a:t>
             </a:fld>
             <a:endParaRPr lang="en-DE"/>
           </a:p>
@@ -3795,32 +3795,6 @@
               <a:tabLst/>
               <a:defRPr/>
             </a:pPr>
-            <a:endParaRPr lang="en-GB" sz="1200" dirty="0">
-              <a:solidFill>
-                <a:srgbClr val="FFFFFF"/>
-              </a:solidFill>
-              <a:effectLst/>
-              <a:latin typeface="Courier New" panose="02070309020205020404" pitchFamily="49" charset="0"/>
-            </a:endParaRPr>
-          </a:p>
-          <a:p>
-            <a:pPr marL="0" marR="0" lvl="0" indent="0" algn="l" defTabSz="914400" rtl="0" eaLnBrk="1" fontAlgn="auto" latinLnBrk="0" hangingPunct="1">
-              <a:lnSpc>
-                <a:spcPct val="100000"/>
-              </a:lnSpc>
-              <a:spcBef>
-                <a:spcPts val="0"/>
-              </a:spcBef>
-              <a:spcAft>
-                <a:spcPts val="0"/>
-              </a:spcAft>
-              <a:buClrTx/>
-              <a:buSzTx/>
-              <a:buFontTx/>
-              <a:buNone/>
-              <a:tabLst/>
-              <a:defRPr/>
-            </a:pPr>
             <a:r>
               <a:rPr lang="en-GB" sz="1200" dirty="0">
                 <a:solidFill>
@@ -3849,7 +3823,7 @@
                 <a:effectLst/>
                 <a:latin typeface="Courier New" panose="02070309020205020404" pitchFamily="49" charset="0"/>
               </a:rPr>
-              <a:t>. It’s beverages delivery service based in Germany. And I started at this company as a part of the logistics team, where we were taking care of the order system but now I’m working with a warehouse team.</a:t>
+              <a:t>. It’s beverages delivery service based in Germany. And I started at this company as a part of the logistics team but now I’m working with a warehouse team.</a:t>
             </a:r>
             <a:br>
               <a:rPr lang="en-GB" sz="1200" dirty="0">
@@ -3870,25 +3844,6 @@
               </a:rPr>
               <a:t>I live in Berlin and you might have thought that I'm German as well, I know it's shocking but I'm not, I’m originally from Ukraine. </a:t>
             </a:r>
-          </a:p>
-          <a:p>
-            <a:pPr marL="0" marR="0" lvl="0" indent="0" algn="l" defTabSz="914400" rtl="0" eaLnBrk="1" fontAlgn="auto" latinLnBrk="0" hangingPunct="1">
-              <a:lnSpc>
-                <a:spcPct val="100000"/>
-              </a:lnSpc>
-              <a:spcBef>
-                <a:spcPts val="0"/>
-              </a:spcBef>
-              <a:spcAft>
-                <a:spcPts val="0"/>
-              </a:spcAft>
-              <a:buClrTx/>
-              <a:buSzTx/>
-              <a:buFontTx/>
-              <a:buNone/>
-              <a:tabLst/>
-              <a:defRPr/>
-            </a:pPr>
             <a:br>
               <a:rPr lang="en-GB" sz="1200" dirty="0">
                 <a:solidFill>
@@ -4219,8 +4174,11 @@
                 <a:ea typeface="+mn-ea"/>
                 <a:cs typeface="+mn-cs"/>
               </a:rPr>
-              <a:t>is useful for applications that cannot tolerate any data loss in case of downtime. But it also means that every write must be replicated and committed to the new regions. </a:t>
+              <a:t>is useful for applications that cannot tolerate any data loss in case of downtime. </a:t>
             </a:r>
+          </a:p>
+          <a:p>
+            <a:pPr fontAlgn="base"/>
             <a:br>
               <a:rPr lang="en-GB" sz="1200" b="0" i="0" kern="1200" dirty="0">
                 <a:solidFill>
@@ -4242,75 +4200,7 @@
                 <a:ea typeface="+mn-ea"/>
                 <a:cs typeface="+mn-cs"/>
               </a:rPr>
-              <a:t>So you have highest consistency, lower performance, and lowest availability.</a:t>
-            </a:r>
-            <a:br>
-              <a:rPr lang="en-GB" sz="1200" b="0" i="0" kern="1200" dirty="0">
-                <a:solidFill>
-                  <a:schemeClr val="tx1"/>
-                </a:solidFill>
-                <a:effectLst/>
-                <a:latin typeface="+mn-lt"/>
-                <a:ea typeface="+mn-ea"/>
-                <a:cs typeface="+mn-cs"/>
-              </a:rPr>
-            </a:br>
-            <a:r>
-              <a:rPr lang="en-GB" sz="1200" b="0" i="0" kern="1200" dirty="0">
-                <a:solidFill>
-                  <a:schemeClr val="tx1"/>
-                </a:solidFill>
-                <a:effectLst/>
-                <a:latin typeface="+mn-lt"/>
-                <a:ea typeface="+mn-ea"/>
-                <a:cs typeface="+mn-cs"/>
-              </a:rPr>
-              <a:t>The latency is also high and this type of model is best suited for Financial transactions, Scheduling, or Forecasting workloads.</a:t>
-            </a:r>
-            <a:br>
-              <a:rPr lang="en-GB" sz="1200" b="0" i="0" kern="1200" dirty="0">
-                <a:solidFill>
-                  <a:schemeClr val="tx1"/>
-                </a:solidFill>
-                <a:effectLst/>
-                <a:latin typeface="+mn-lt"/>
-                <a:ea typeface="+mn-ea"/>
-                <a:cs typeface="+mn-cs"/>
-              </a:rPr>
-            </a:br>
-            <a:br>
-              <a:rPr lang="en-GB" sz="1200" b="0" i="0" kern="1200" dirty="0">
-                <a:solidFill>
-                  <a:schemeClr val="tx1"/>
-                </a:solidFill>
-                <a:effectLst/>
-                <a:latin typeface="+mn-lt"/>
-                <a:ea typeface="+mn-ea"/>
-                <a:cs typeface="+mn-cs"/>
-              </a:rPr>
-            </a:br>
-            <a:br>
-              <a:rPr lang="en-GB" sz="1200" b="0" i="0" kern="1200" dirty="0">
-                <a:solidFill>
-                  <a:schemeClr val="tx1"/>
-                </a:solidFill>
-                <a:effectLst/>
-                <a:latin typeface="+mn-lt"/>
-                <a:ea typeface="+mn-ea"/>
-                <a:cs typeface="+mn-cs"/>
-              </a:rPr>
-            </a:br>
-            <a:r>
-              <a:rPr lang="en-GB" sz="1200" b="0" i="0" kern="1200" dirty="0">
-                <a:solidFill>
-                  <a:schemeClr val="tx1"/>
-                </a:solidFill>
-                <a:effectLst/>
-                <a:latin typeface="+mn-lt"/>
-                <a:ea typeface="+mn-ea"/>
-                <a:cs typeface="+mn-cs"/>
-              </a:rPr>
-              <a:t>The performance of bounded staleness is better than the strong consistency however the availability is still. This level is used for apps that don't need to fetch data in real-time, but order of writes is important.</a:t>
+              <a:t>The performance of bounded staleness is better than the strong consistency however the availability is still low. This level is used for apps that don't need to fetch data in real-time, but order of writes is important.</a:t>
             </a:r>
             <a:br>
               <a:rPr lang="en-GB" sz="1200" b="0" i="0" kern="1200" dirty="0">
@@ -4368,7 +4258,7 @@
                 <a:ea typeface="+mn-ea"/>
                 <a:cs typeface="+mn-cs"/>
               </a:rPr>
-              <a:t> is the default model. It ensures a strong consistency for an application session with the same session token. The availability of the data is relatively high with lower latency and higher throughput than the bounded staleness. Can be used for a typical e-commerce application, social media app, and other similar services with persistent user connection.</a:t>
+              <a:t> is the default model. It ensures a strong consistency for an application session with the same session token. </a:t>
             </a:r>
             <a:br>
               <a:rPr lang="en-GB" sz="1200" b="0" i="0" kern="1200" dirty="0">
@@ -4427,29 +4317,6 @@
                 <a:cs typeface="+mn-cs"/>
               </a:rPr>
               <a:t> model is similar to bounded staleness. The replicas guarantee the consistency and order of the writes however the data is not always current. </a:t>
-            </a:r>
-            <a:br>
-              <a:rPr lang="en-GB" sz="1200" b="0" i="0" kern="1200" dirty="0">
-                <a:solidFill>
-                  <a:schemeClr val="tx1"/>
-                </a:solidFill>
-                <a:effectLst/>
-                <a:latin typeface="+mn-lt"/>
-                <a:ea typeface="+mn-ea"/>
-                <a:cs typeface="+mn-cs"/>
-              </a:rPr>
-            </a:br>
-            <a:r>
-              <a:rPr lang="en-GB" sz="1200" b="0" i="0" kern="1200" dirty="0">
-                <a:solidFill>
-                  <a:schemeClr val="tx1"/>
-                </a:solidFill>
-                <a:effectLst/>
-                <a:latin typeface="+mn-lt"/>
-                <a:ea typeface="+mn-ea"/>
-                <a:cs typeface="+mn-cs"/>
-              </a:rPr>
-              <a:t>This model provides high availability and very low latency which is best for certain applications that can afford the lag and still function as expected.</a:t>
             </a:r>
           </a:p>
           <a:p>
@@ -5594,7 +5461,10 @@
           <a:bodyPr/>
           <a:lstStyle/>
           <a:p>
-            <a:endParaRPr lang="en-DE" dirty="0"/>
+            <a:r>
+              <a:rPr lang="en-DE" dirty="0"/>
+              <a:t>missinterpreted</a:t>
+            </a:r>
           </a:p>
         </p:txBody>
       </p:sp>
@@ -13926,7 +13796,7 @@
         </p:blipFill>
         <p:spPr>
           <a:xfrm>
-            <a:off x="2475572" y="2605668"/>
+            <a:off x="2054948" y="2770260"/>
             <a:ext cx="2798956" cy="2798956"/>
           </a:xfrm>
           <a:prstGeom prst="rect">
@@ -13962,7 +13832,7 @@
         </p:blipFill>
         <p:spPr>
           <a:xfrm>
-            <a:off x="6162909" y="315951"/>
+            <a:off x="5742285" y="480543"/>
             <a:ext cx="4843346" cy="4843346"/>
           </a:xfrm>
           <a:prstGeom prst="rect">
@@ -13991,7 +13861,7 @@
         </p:blipFill>
         <p:spPr>
           <a:xfrm>
-            <a:off x="2754352" y="3308194"/>
+            <a:off x="2333728" y="3472786"/>
             <a:ext cx="1416205" cy="765717"/>
           </a:xfrm>
           <a:prstGeom prst="rect">
@@ -14013,7 +13883,7 @@
         </p:nvSpPr>
         <p:spPr>
           <a:xfrm rot="16200000">
-            <a:off x="6480151" y="1097395"/>
+            <a:off x="6059527" y="1261987"/>
             <a:ext cx="113355" cy="8237159"/>
           </a:xfrm>
           <a:prstGeom prst="leftBracket">
@@ -14060,7 +13930,7 @@
         </p:nvCxnSpPr>
         <p:spPr>
           <a:xfrm flipH="1">
-            <a:off x="6536828" y="5272652"/>
+            <a:off x="6116204" y="5437244"/>
             <a:ext cx="1" cy="334660"/>
           </a:xfrm>
           <a:prstGeom prst="line">
@@ -14096,7 +13966,7 @@
         </p:nvSpPr>
         <p:spPr>
           <a:xfrm>
-            <a:off x="5961991" y="5607312"/>
+            <a:off x="5541367" y="5771904"/>
             <a:ext cx="1149674" cy="369332"/>
           </a:xfrm>
           <a:prstGeom prst="rect">
